--- a/자료모음/화면정리.pptx
+++ b/자료모음/화면정리.pptx
@@ -6,6 +6,7 @@
   </p:sldMasterIdLst>
   <p:sldIdLst>
     <p:sldId id="257" r:id="rId2"/>
+    <p:sldId id="258" r:id="rId3"/>
   </p:sldIdLst>
   <p:sldSz cx="12192000" cy="6858000"/>
   <p:notesSz cx="6858000" cy="9144000"/>
@@ -104,6 +105,11 @@
       </a:defRPr>
     </a:lvl9pPr>
   </p:defaultTextStyle>
+  <p:extLst>
+    <p:ext uri="{EFAFB233-063F-42B5-8137-9DF3F51BA10A}">
+      <p15:sldGuideLst xmlns:p15="http://schemas.microsoft.com/office/powerpoint/2012/main"/>
+    </p:ext>
+  </p:extLst>
 </p:presentation>
 </file>
 
@@ -5100,6 +5106,1710 @@
     <p:extLst>
       <p:ext uri="{BB962C8B-B14F-4D97-AF65-F5344CB8AC3E}">
         <p14:creationId xmlns:p14="http://schemas.microsoft.com/office/powerpoint/2010/main" val="138359177"/>
+      </p:ext>
+    </p:extLst>
+  </p:cSld>
+  <p:clrMapOvr>
+    <a:masterClrMapping/>
+  </p:clrMapOvr>
+</p:sld>
+</file>
+
+<file path=ppt/slides/slide2.xml><?xml version="1.0" encoding="utf-8"?>
+<p:sld xmlns:a="http://schemas.openxmlformats.org/drawingml/2006/main" xmlns:r="http://schemas.openxmlformats.org/officeDocument/2006/relationships" xmlns:p="http://schemas.openxmlformats.org/presentationml/2006/main">
+  <p:cSld>
+    <p:spTree>
+      <p:nvGrpSpPr>
+        <p:cNvPr id="1" name=""/>
+        <p:cNvGrpSpPr/>
+        <p:nvPr/>
+      </p:nvGrpSpPr>
+      <p:grpSpPr>
+        <a:xfrm>
+          <a:off x="0" y="0"/>
+          <a:ext cx="0" cy="0"/>
+          <a:chOff x="0" y="0"/>
+          <a:chExt cx="0" cy="0"/>
+        </a:xfrm>
+      </p:grpSpPr>
+      <p:sp>
+        <p:nvSpPr>
+          <p:cNvPr id="4" name="직사각형 3">
+            <a:extLst>
+              <a:ext uri="{FF2B5EF4-FFF2-40B4-BE49-F238E27FC236}">
+                <a16:creationId xmlns:a16="http://schemas.microsoft.com/office/drawing/2014/main" id="{0ADF8790-B38D-6824-AEEC-A788B71C91C4}"/>
+              </a:ext>
+            </a:extLst>
+          </p:cNvPr>
+          <p:cNvSpPr/>
+          <p:nvPr/>
+        </p:nvSpPr>
+        <p:spPr>
+          <a:xfrm>
+            <a:off x="1431070" y="1459823"/>
+            <a:ext cx="9380220" cy="4822272"/>
+          </a:xfrm>
+          <a:prstGeom prst="rect">
+            <a:avLst/>
+          </a:prstGeom>
+          <a:solidFill>
+            <a:schemeClr val="bg1"/>
+          </a:solidFill>
+          <a:ln w="3175"/>
+        </p:spPr>
+        <p:style>
+          <a:lnRef idx="2">
+            <a:schemeClr val="accent1">
+              <a:shade val="15000"/>
+            </a:schemeClr>
+          </a:lnRef>
+          <a:fillRef idx="1">
+            <a:schemeClr val="accent1"/>
+          </a:fillRef>
+          <a:effectRef idx="0">
+            <a:schemeClr val="accent1"/>
+          </a:effectRef>
+          <a:fontRef idx="minor">
+            <a:schemeClr val="lt1"/>
+          </a:fontRef>
+        </p:style>
+        <p:txBody>
+          <a:bodyPr rtlCol="0" anchor="ctr"/>
+          <a:lstStyle/>
+          <a:p>
+            <a:pPr algn="ctr"/>
+            <a:endParaRPr lang="ko-KR" altLang="en-US" dirty="0"/>
+          </a:p>
+        </p:txBody>
+      </p:sp>
+      <p:sp>
+        <p:nvSpPr>
+          <p:cNvPr id="5" name="직사각형 4">
+            <a:extLst>
+              <a:ext uri="{FF2B5EF4-FFF2-40B4-BE49-F238E27FC236}">
+                <a16:creationId xmlns:a16="http://schemas.microsoft.com/office/drawing/2014/main" id="{5B7207AC-FF55-1AA1-7689-E2E49F01E7C5}"/>
+              </a:ext>
+            </a:extLst>
+          </p:cNvPr>
+          <p:cNvSpPr/>
+          <p:nvPr/>
+        </p:nvSpPr>
+        <p:spPr>
+          <a:xfrm>
+            <a:off x="1431070" y="1459824"/>
+            <a:ext cx="1642111" cy="4822271"/>
+          </a:xfrm>
+          <a:prstGeom prst="rect">
+            <a:avLst/>
+          </a:prstGeom>
+          <a:solidFill>
+            <a:schemeClr val="bg1">
+              <a:lumMod val="95000"/>
+            </a:schemeClr>
+          </a:solidFill>
+          <a:ln w="3175"/>
+        </p:spPr>
+        <p:style>
+          <a:lnRef idx="2">
+            <a:schemeClr val="accent1">
+              <a:shade val="15000"/>
+            </a:schemeClr>
+          </a:lnRef>
+          <a:fillRef idx="1">
+            <a:schemeClr val="accent1"/>
+          </a:fillRef>
+          <a:effectRef idx="0">
+            <a:schemeClr val="accent1"/>
+          </a:effectRef>
+          <a:fontRef idx="minor">
+            <a:schemeClr val="lt1"/>
+          </a:fontRef>
+        </p:style>
+        <p:txBody>
+          <a:bodyPr rtlCol="0" anchor="ctr"/>
+          <a:lstStyle/>
+          <a:p>
+            <a:pPr algn="ctr"/>
+            <a:endParaRPr lang="ko-KR" altLang="en-US" dirty="0"/>
+          </a:p>
+        </p:txBody>
+      </p:sp>
+      <p:sp>
+        <p:nvSpPr>
+          <p:cNvPr id="6" name="직사각형 5">
+            <a:extLst>
+              <a:ext uri="{FF2B5EF4-FFF2-40B4-BE49-F238E27FC236}">
+                <a16:creationId xmlns:a16="http://schemas.microsoft.com/office/drawing/2014/main" id="{90DAE5B7-6D40-21FE-7E8B-A594FB5F7FAB}"/>
+              </a:ext>
+            </a:extLst>
+          </p:cNvPr>
+          <p:cNvSpPr/>
+          <p:nvPr/>
+        </p:nvSpPr>
+        <p:spPr>
+          <a:xfrm>
+            <a:off x="1197076" y="1283341"/>
+            <a:ext cx="422536" cy="422536"/>
+          </a:xfrm>
+          <a:prstGeom prst="rect">
+            <a:avLst/>
+          </a:prstGeom>
+          <a:noFill/>
+          <a:ln>
+            <a:noFill/>
+          </a:ln>
+        </p:spPr>
+        <p:style>
+          <a:lnRef idx="2">
+            <a:schemeClr val="accent1">
+              <a:shade val="15000"/>
+            </a:schemeClr>
+          </a:lnRef>
+          <a:fillRef idx="1">
+            <a:schemeClr val="accent1"/>
+          </a:fillRef>
+          <a:effectRef idx="0">
+            <a:schemeClr val="accent1"/>
+          </a:effectRef>
+          <a:fontRef idx="minor">
+            <a:schemeClr val="lt1"/>
+          </a:fontRef>
+        </p:style>
+        <p:txBody>
+          <a:bodyPr rtlCol="0" anchor="ctr"/>
+          <a:lstStyle/>
+          <a:p>
+            <a:pPr algn="ctr"/>
+            <a:endParaRPr lang="ko-KR" altLang="en-US"/>
+          </a:p>
+        </p:txBody>
+      </p:sp>
+      <p:sp>
+        <p:nvSpPr>
+          <p:cNvPr id="7" name="직사각형 6">
+            <a:extLst>
+              <a:ext uri="{FF2B5EF4-FFF2-40B4-BE49-F238E27FC236}">
+                <a16:creationId xmlns:a16="http://schemas.microsoft.com/office/drawing/2014/main" id="{30B828BA-587C-0A1E-2612-8D05C800E5C5}"/>
+              </a:ext>
+            </a:extLst>
+          </p:cNvPr>
+          <p:cNvSpPr/>
+          <p:nvPr/>
+        </p:nvSpPr>
+        <p:spPr>
+          <a:xfrm>
+            <a:off x="10572385" y="1283341"/>
+            <a:ext cx="422536" cy="422536"/>
+          </a:xfrm>
+          <a:prstGeom prst="rect">
+            <a:avLst/>
+          </a:prstGeom>
+          <a:noFill/>
+          <a:ln>
+            <a:noFill/>
+          </a:ln>
+        </p:spPr>
+        <p:style>
+          <a:lnRef idx="2">
+            <a:schemeClr val="accent1">
+              <a:shade val="15000"/>
+            </a:schemeClr>
+          </a:lnRef>
+          <a:fillRef idx="1">
+            <a:schemeClr val="accent1"/>
+          </a:fillRef>
+          <a:effectRef idx="0">
+            <a:schemeClr val="accent1"/>
+          </a:effectRef>
+          <a:fontRef idx="minor">
+            <a:schemeClr val="lt1"/>
+          </a:fontRef>
+        </p:style>
+        <p:txBody>
+          <a:bodyPr rtlCol="0" anchor="ctr"/>
+          <a:lstStyle/>
+          <a:p>
+            <a:pPr algn="ctr"/>
+            <a:endParaRPr lang="ko-KR" altLang="en-US"/>
+          </a:p>
+        </p:txBody>
+      </p:sp>
+      <p:sp>
+        <p:nvSpPr>
+          <p:cNvPr id="8" name="TextBox 7">
+            <a:extLst>
+              <a:ext uri="{FF2B5EF4-FFF2-40B4-BE49-F238E27FC236}">
+                <a16:creationId xmlns:a16="http://schemas.microsoft.com/office/drawing/2014/main" id="{E0589206-FD0D-2DEF-0096-4352C6CB2B2A}"/>
+              </a:ext>
+            </a:extLst>
+          </p:cNvPr>
+          <p:cNvSpPr txBox="1"/>
+          <p:nvPr/>
+        </p:nvSpPr>
+        <p:spPr>
+          <a:xfrm>
+            <a:off x="176348" y="150223"/>
+            <a:ext cx="1107996" cy="369332"/>
+          </a:xfrm>
+          <a:prstGeom prst="rect">
+            <a:avLst/>
+          </a:prstGeom>
+          <a:noFill/>
+        </p:spPr>
+        <p:txBody>
+          <a:bodyPr wrap="none" rtlCol="0">
+            <a:spAutoFit/>
+          </a:bodyPr>
+          <a:lstStyle/>
+          <a:p>
+            <a:r>
+              <a:rPr lang="ko-KR" altLang="en-US" dirty="0"/>
+              <a:t>화면구성</a:t>
+            </a:r>
+          </a:p>
+        </p:txBody>
+      </p:sp>
+      <p:sp>
+        <p:nvSpPr>
+          <p:cNvPr id="9" name="TextBox 8">
+            <a:extLst>
+              <a:ext uri="{FF2B5EF4-FFF2-40B4-BE49-F238E27FC236}">
+                <a16:creationId xmlns:a16="http://schemas.microsoft.com/office/drawing/2014/main" id="{6B974239-67A5-1719-97E6-E07EB7B7FBC6}"/>
+              </a:ext>
+            </a:extLst>
+          </p:cNvPr>
+          <p:cNvSpPr txBox="1"/>
+          <p:nvPr/>
+        </p:nvSpPr>
+        <p:spPr>
+          <a:xfrm>
+            <a:off x="5752217" y="1006342"/>
+            <a:ext cx="687561" cy="276999"/>
+          </a:xfrm>
+          <a:prstGeom prst="rect">
+            <a:avLst/>
+          </a:prstGeom>
+          <a:noFill/>
+        </p:spPr>
+        <p:txBody>
+          <a:bodyPr wrap="none" rtlCol="0">
+            <a:spAutoFit/>
+          </a:bodyPr>
+          <a:lstStyle/>
+          <a:p>
+            <a:r>
+              <a:rPr lang="en-US" altLang="ko-KR" sz="1200" dirty="0"/>
+              <a:t>1920px</a:t>
+            </a:r>
+            <a:endParaRPr lang="ko-KR" altLang="en-US" sz="1200" dirty="0"/>
+          </a:p>
+        </p:txBody>
+      </p:sp>
+      <p:sp>
+        <p:nvSpPr>
+          <p:cNvPr id="10" name="TextBox 9">
+            <a:extLst>
+              <a:ext uri="{FF2B5EF4-FFF2-40B4-BE49-F238E27FC236}">
+                <a16:creationId xmlns:a16="http://schemas.microsoft.com/office/drawing/2014/main" id="{861AA801-759E-AE92-FCF1-28CCBE13466F}"/>
+              </a:ext>
+            </a:extLst>
+          </p:cNvPr>
+          <p:cNvSpPr txBox="1"/>
+          <p:nvPr/>
+        </p:nvSpPr>
+        <p:spPr>
+          <a:xfrm>
+            <a:off x="596783" y="3732460"/>
+            <a:ext cx="687561" cy="276999"/>
+          </a:xfrm>
+          <a:prstGeom prst="rect">
+            <a:avLst/>
+          </a:prstGeom>
+          <a:noFill/>
+        </p:spPr>
+        <p:txBody>
+          <a:bodyPr wrap="none" rtlCol="0">
+            <a:spAutoFit/>
+          </a:bodyPr>
+          <a:lstStyle/>
+          <a:p>
+            <a:r>
+              <a:rPr lang="en-US" altLang="ko-KR" sz="1200" dirty="0"/>
+              <a:t>1080px</a:t>
+            </a:r>
+            <a:endParaRPr lang="ko-KR" altLang="en-US" sz="1200" dirty="0"/>
+          </a:p>
+        </p:txBody>
+      </p:sp>
+      <p:cxnSp>
+        <p:nvCxnSpPr>
+          <p:cNvPr id="11" name="연결선: 꺾임 10">
+            <a:extLst>
+              <a:ext uri="{FF2B5EF4-FFF2-40B4-BE49-F238E27FC236}">
+                <a16:creationId xmlns:a16="http://schemas.microsoft.com/office/drawing/2014/main" id="{98642018-E7F4-4E1F-487D-436941F7283F}"/>
+              </a:ext>
+            </a:extLst>
+          </p:cNvPr>
+          <p:cNvCxnSpPr>
+            <a:stCxn id="6" idx="1"/>
+            <a:endCxn id="10" idx="0"/>
+          </p:cNvCxnSpPr>
+          <p:nvPr/>
+        </p:nvCxnSpPr>
+        <p:spPr>
+          <a:xfrm rot="10800000" flipV="1">
+            <a:off x="940564" y="1494608"/>
+            <a:ext cx="256512" cy="2237851"/>
+          </a:xfrm>
+          <a:prstGeom prst="bentConnector2">
+            <a:avLst/>
+          </a:prstGeom>
+          <a:ln w="19050" cap="flat" cmpd="sng" algn="ctr">
+            <a:solidFill>
+              <a:schemeClr val="accent1"/>
+            </a:solidFill>
+            <a:prstDash val="dash"/>
+            <a:round/>
+            <a:headEnd type="none" w="med" len="med"/>
+            <a:tailEnd type="none" w="med" len="med"/>
+          </a:ln>
+        </p:spPr>
+        <p:style>
+          <a:lnRef idx="0">
+            <a:scrgbClr r="0" g="0" b="0"/>
+          </a:lnRef>
+          <a:fillRef idx="0">
+            <a:scrgbClr r="0" g="0" b="0"/>
+          </a:fillRef>
+          <a:effectRef idx="0">
+            <a:scrgbClr r="0" g="0" b="0"/>
+          </a:effectRef>
+          <a:fontRef idx="minor">
+            <a:schemeClr val="tx1"/>
+          </a:fontRef>
+        </p:style>
+      </p:cxnSp>
+      <p:cxnSp>
+        <p:nvCxnSpPr>
+          <p:cNvPr id="12" name="연결선: 꺾임 11">
+            <a:extLst>
+              <a:ext uri="{FF2B5EF4-FFF2-40B4-BE49-F238E27FC236}">
+                <a16:creationId xmlns:a16="http://schemas.microsoft.com/office/drawing/2014/main" id="{2CFF49A3-269A-1CAE-0DED-B99C30BA7A11}"/>
+              </a:ext>
+            </a:extLst>
+          </p:cNvPr>
+          <p:cNvCxnSpPr>
+            <a:stCxn id="10" idx="2"/>
+          </p:cNvCxnSpPr>
+          <p:nvPr/>
+        </p:nvCxnSpPr>
+        <p:spPr>
+          <a:xfrm rot="16200000" flipH="1">
+            <a:off x="-68726" y="5018748"/>
+            <a:ext cx="2272637" cy="254057"/>
+          </a:xfrm>
+          <a:prstGeom prst="bentConnector2">
+            <a:avLst/>
+          </a:prstGeom>
+          <a:ln w="19050" cap="flat" cmpd="sng" algn="ctr">
+            <a:solidFill>
+              <a:schemeClr val="accent1"/>
+            </a:solidFill>
+            <a:prstDash val="dash"/>
+            <a:round/>
+            <a:headEnd type="none" w="med" len="med"/>
+            <a:tailEnd type="none" w="med" len="med"/>
+          </a:ln>
+        </p:spPr>
+        <p:style>
+          <a:lnRef idx="0">
+            <a:scrgbClr r="0" g="0" b="0"/>
+          </a:lnRef>
+          <a:fillRef idx="0">
+            <a:scrgbClr r="0" g="0" b="0"/>
+          </a:fillRef>
+          <a:effectRef idx="0">
+            <a:scrgbClr r="0" g="0" b="0"/>
+          </a:effectRef>
+          <a:fontRef idx="minor">
+            <a:schemeClr val="tx1"/>
+          </a:fontRef>
+        </p:style>
+      </p:cxnSp>
+      <p:cxnSp>
+        <p:nvCxnSpPr>
+          <p:cNvPr id="13" name="연결선: 꺾임 12">
+            <a:extLst>
+              <a:ext uri="{FF2B5EF4-FFF2-40B4-BE49-F238E27FC236}">
+                <a16:creationId xmlns:a16="http://schemas.microsoft.com/office/drawing/2014/main" id="{BCEC0A26-7B00-E1F6-FC61-34B9AFEDB605}"/>
+              </a:ext>
+            </a:extLst>
+          </p:cNvPr>
+          <p:cNvCxnSpPr>
+            <a:cxnSpLocks/>
+            <a:stCxn id="9" idx="1"/>
+            <a:endCxn id="6" idx="0"/>
+          </p:cNvCxnSpPr>
+          <p:nvPr/>
+        </p:nvCxnSpPr>
+        <p:spPr>
+          <a:xfrm rot="10800000" flipV="1">
+            <a:off x="1408345" y="1144841"/>
+            <a:ext cx="4343873" cy="138499"/>
+          </a:xfrm>
+          <a:prstGeom prst="bentConnector2">
+            <a:avLst/>
+          </a:prstGeom>
+          <a:ln w="19050" cap="flat" cmpd="sng" algn="ctr">
+            <a:solidFill>
+              <a:schemeClr val="accent1"/>
+            </a:solidFill>
+            <a:prstDash val="dash"/>
+            <a:round/>
+            <a:headEnd type="none" w="med" len="med"/>
+            <a:tailEnd type="none" w="med" len="med"/>
+          </a:ln>
+        </p:spPr>
+        <p:style>
+          <a:lnRef idx="0">
+            <a:scrgbClr r="0" g="0" b="0"/>
+          </a:lnRef>
+          <a:fillRef idx="0">
+            <a:scrgbClr r="0" g="0" b="0"/>
+          </a:fillRef>
+          <a:effectRef idx="0">
+            <a:scrgbClr r="0" g="0" b="0"/>
+          </a:effectRef>
+          <a:fontRef idx="minor">
+            <a:schemeClr val="tx1"/>
+          </a:fontRef>
+        </p:style>
+      </p:cxnSp>
+      <p:cxnSp>
+        <p:nvCxnSpPr>
+          <p:cNvPr id="14" name="연결선: 꺾임 13">
+            <a:extLst>
+              <a:ext uri="{FF2B5EF4-FFF2-40B4-BE49-F238E27FC236}">
+                <a16:creationId xmlns:a16="http://schemas.microsoft.com/office/drawing/2014/main" id="{1453922C-A7DB-E065-FFF8-A7C31BC8F163}"/>
+              </a:ext>
+            </a:extLst>
+          </p:cNvPr>
+          <p:cNvCxnSpPr>
+            <a:cxnSpLocks/>
+            <a:stCxn id="7" idx="0"/>
+            <a:endCxn id="9" idx="3"/>
+          </p:cNvCxnSpPr>
+          <p:nvPr/>
+        </p:nvCxnSpPr>
+        <p:spPr>
+          <a:xfrm rot="16200000" flipV="1">
+            <a:off x="8542467" y="-957846"/>
+            <a:ext cx="138499" cy="4343875"/>
+          </a:xfrm>
+          <a:prstGeom prst="bentConnector2">
+            <a:avLst/>
+          </a:prstGeom>
+          <a:ln w="19050" cap="flat" cmpd="sng" algn="ctr">
+            <a:solidFill>
+              <a:schemeClr val="accent1"/>
+            </a:solidFill>
+            <a:prstDash val="dash"/>
+            <a:round/>
+            <a:headEnd type="none" w="med" len="med"/>
+            <a:tailEnd type="none" w="med" len="med"/>
+          </a:ln>
+        </p:spPr>
+        <p:style>
+          <a:lnRef idx="0">
+            <a:scrgbClr r="0" g="0" b="0"/>
+          </a:lnRef>
+          <a:fillRef idx="0">
+            <a:scrgbClr r="0" g="0" b="0"/>
+          </a:fillRef>
+          <a:effectRef idx="0">
+            <a:scrgbClr r="0" g="0" b="0"/>
+          </a:effectRef>
+          <a:fontRef idx="minor">
+            <a:schemeClr val="tx1"/>
+          </a:fontRef>
+        </p:style>
+      </p:cxnSp>
+      <p:sp>
+        <p:nvSpPr>
+          <p:cNvPr id="15" name="TextBox 14">
+            <a:extLst>
+              <a:ext uri="{FF2B5EF4-FFF2-40B4-BE49-F238E27FC236}">
+                <a16:creationId xmlns:a16="http://schemas.microsoft.com/office/drawing/2014/main" id="{67F67E85-272E-AEE6-A218-724053EF2C89}"/>
+              </a:ext>
+            </a:extLst>
+          </p:cNvPr>
+          <p:cNvSpPr txBox="1"/>
+          <p:nvPr/>
+        </p:nvSpPr>
+        <p:spPr>
+          <a:xfrm>
+            <a:off x="1617157" y="2561121"/>
+            <a:ext cx="1225103" cy="246221"/>
+          </a:xfrm>
+          <a:prstGeom prst="rect">
+            <a:avLst/>
+          </a:prstGeom>
+          <a:noFill/>
+        </p:spPr>
+        <p:txBody>
+          <a:bodyPr wrap="square" rtlCol="0">
+            <a:spAutoFit/>
+          </a:bodyPr>
+          <a:lstStyle/>
+          <a:p>
+            <a:pPr algn="ctr"/>
+            <a:r>
+              <a:rPr lang="ko-KR" altLang="en-US" sz="1000" b="1" dirty="0">
+                <a:solidFill>
+                  <a:schemeClr val="tx1">
+                    <a:lumMod val="50000"/>
+                    <a:lumOff val="50000"/>
+                  </a:schemeClr>
+                </a:solidFill>
+              </a:rPr>
+              <a:t>상호형 대리</a:t>
+            </a:r>
+          </a:p>
+        </p:txBody>
+      </p:sp>
+      <p:sp>
+        <p:nvSpPr>
+          <p:cNvPr id="16" name="TextBox 15">
+            <a:extLst>
+              <a:ext uri="{FF2B5EF4-FFF2-40B4-BE49-F238E27FC236}">
+                <a16:creationId xmlns:a16="http://schemas.microsoft.com/office/drawing/2014/main" id="{A42B2F79-34F7-3997-0121-5451BA78F84A}"/>
+              </a:ext>
+            </a:extLst>
+          </p:cNvPr>
+          <p:cNvSpPr txBox="1"/>
+          <p:nvPr/>
+        </p:nvSpPr>
+        <p:spPr>
+          <a:xfrm>
+            <a:off x="1617157" y="2805255"/>
+            <a:ext cx="1225103" cy="215444"/>
+          </a:xfrm>
+          <a:prstGeom prst="rect">
+            <a:avLst/>
+          </a:prstGeom>
+          <a:noFill/>
+        </p:spPr>
+        <p:txBody>
+          <a:bodyPr wrap="square" rtlCol="0">
+            <a:spAutoFit/>
+          </a:bodyPr>
+          <a:lstStyle/>
+          <a:p>
+            <a:pPr algn="ctr"/>
+            <a:r>
+              <a:rPr lang="ko-KR" altLang="en-US" sz="800" dirty="0">
+                <a:solidFill>
+                  <a:schemeClr val="tx1">
+                    <a:lumMod val="50000"/>
+                    <a:lumOff val="50000"/>
+                  </a:schemeClr>
+                </a:solidFill>
+              </a:rPr>
+              <a:t>기본권한</a:t>
+            </a:r>
+          </a:p>
+        </p:txBody>
+      </p:sp>
+      <p:sp>
+        <p:nvSpPr>
+          <p:cNvPr id="17" name="타원 16">
+            <a:extLst>
+              <a:ext uri="{FF2B5EF4-FFF2-40B4-BE49-F238E27FC236}">
+                <a16:creationId xmlns:a16="http://schemas.microsoft.com/office/drawing/2014/main" id="{2B047235-F3A5-6A60-6FD6-61B1ABBF9428}"/>
+              </a:ext>
+            </a:extLst>
+          </p:cNvPr>
+          <p:cNvSpPr/>
+          <p:nvPr/>
+        </p:nvSpPr>
+        <p:spPr>
+          <a:xfrm>
+            <a:off x="1788794" y="1574839"/>
+            <a:ext cx="876300" cy="876300"/>
+          </a:xfrm>
+          <a:prstGeom prst="ellipse">
+            <a:avLst/>
+          </a:prstGeom>
+          <a:blipFill dpi="0" rotWithShape="1">
+            <a:blip r:embed="rId2">
+              <a:extLst>
+                <a:ext uri="{28A0092B-C50C-407E-A947-70E740481C1C}">
+                  <a14:useLocalDpi xmlns:a14="http://schemas.microsoft.com/office/drawing/2010/main" val="0"/>
+                </a:ext>
+              </a:extLst>
+            </a:blip>
+            <a:srcRect/>
+            <a:stretch>
+              <a:fillRect/>
+            </a:stretch>
+          </a:blipFill>
+          <a:ln w="3175">
+            <a:solidFill>
+              <a:schemeClr val="accent1">
+                <a:lumMod val="40000"/>
+                <a:lumOff val="60000"/>
+              </a:schemeClr>
+            </a:solidFill>
+          </a:ln>
+          <a:effectLst>
+            <a:outerShdw blurRad="63500" sx="102000" sy="102000" algn="ctr" rotWithShape="0">
+              <a:prstClr val="black">
+                <a:alpha val="40000"/>
+              </a:prstClr>
+            </a:outerShdw>
+          </a:effectLst>
+        </p:spPr>
+        <p:style>
+          <a:lnRef idx="2">
+            <a:schemeClr val="accent1">
+              <a:shade val="15000"/>
+            </a:schemeClr>
+          </a:lnRef>
+          <a:fillRef idx="1">
+            <a:schemeClr val="accent1"/>
+          </a:fillRef>
+          <a:effectRef idx="0">
+            <a:schemeClr val="accent1"/>
+          </a:effectRef>
+          <a:fontRef idx="minor">
+            <a:schemeClr val="lt1"/>
+          </a:fontRef>
+        </p:style>
+        <p:txBody>
+          <a:bodyPr rtlCol="0" anchor="ctr"/>
+          <a:lstStyle/>
+          <a:p>
+            <a:pPr algn="ctr"/>
+            <a:endParaRPr lang="ko-KR" altLang="en-US" sz="1050" dirty="0"/>
+          </a:p>
+        </p:txBody>
+      </p:sp>
+      <p:cxnSp>
+        <p:nvCxnSpPr>
+          <p:cNvPr id="18" name="직선 연결선 17">
+            <a:extLst>
+              <a:ext uri="{FF2B5EF4-FFF2-40B4-BE49-F238E27FC236}">
+                <a16:creationId xmlns:a16="http://schemas.microsoft.com/office/drawing/2014/main" id="{AE2AC978-76C4-9ABD-170B-778F0215FD84}"/>
+              </a:ext>
+            </a:extLst>
+          </p:cNvPr>
+          <p:cNvCxnSpPr>
+            <a:cxnSpLocks/>
+          </p:cNvCxnSpPr>
+          <p:nvPr/>
+        </p:nvCxnSpPr>
+        <p:spPr>
+          <a:xfrm>
+            <a:off x="1468754" y="3082254"/>
+            <a:ext cx="1516380" cy="0"/>
+          </a:xfrm>
+          <a:prstGeom prst="line">
+            <a:avLst/>
+          </a:prstGeom>
+          <a:ln w="3175">
+            <a:solidFill>
+              <a:schemeClr val="bg1">
+                <a:lumMod val="85000"/>
+              </a:schemeClr>
+            </a:solidFill>
+          </a:ln>
+        </p:spPr>
+        <p:style>
+          <a:lnRef idx="2">
+            <a:schemeClr val="accent1"/>
+          </a:lnRef>
+          <a:fillRef idx="0">
+            <a:schemeClr val="accent1"/>
+          </a:fillRef>
+          <a:effectRef idx="1">
+            <a:schemeClr val="accent1"/>
+          </a:effectRef>
+          <a:fontRef idx="minor">
+            <a:schemeClr val="tx1"/>
+          </a:fontRef>
+        </p:style>
+      </p:cxnSp>
+      <p:grpSp>
+        <p:nvGrpSpPr>
+          <p:cNvPr id="19" name="그룹 18">
+            <a:extLst>
+              <a:ext uri="{FF2B5EF4-FFF2-40B4-BE49-F238E27FC236}">
+                <a16:creationId xmlns:a16="http://schemas.microsoft.com/office/drawing/2014/main" id="{D1C22F97-51D1-4BD1-AEBF-1DADB1156A48}"/>
+              </a:ext>
+            </a:extLst>
+          </p:cNvPr>
+          <p:cNvGrpSpPr/>
+          <p:nvPr/>
+        </p:nvGrpSpPr>
+        <p:grpSpPr>
+          <a:xfrm>
+            <a:off x="1540856" y="3121971"/>
+            <a:ext cx="1365196" cy="215444"/>
+            <a:chOff x="1529691" y="3144869"/>
+            <a:chExt cx="1365196" cy="215444"/>
+          </a:xfrm>
+        </p:grpSpPr>
+        <p:pic>
+          <p:nvPicPr>
+            <p:cNvPr id="20" name="그림 19" descr="블랙, 어둠이(가) 표시된 사진&#10;&#10;자동 생성된 설명">
+              <a:extLst>
+                <a:ext uri="{FF2B5EF4-FFF2-40B4-BE49-F238E27FC236}">
+                  <a16:creationId xmlns:a16="http://schemas.microsoft.com/office/drawing/2014/main" id="{41E7D879-35F6-BDAE-6B60-71EE92430F96}"/>
+                </a:ext>
+              </a:extLst>
+            </p:cNvPr>
+            <p:cNvPicPr>
+              <a:picLocks noChangeAspect="1"/>
+            </p:cNvPicPr>
+            <p:nvPr/>
+          </p:nvPicPr>
+          <p:blipFill>
+            <a:blip r:embed="rId3">
+              <a:extLst>
+                <a:ext uri="{28A0092B-C50C-407E-A947-70E740481C1C}">
+                  <a14:useLocalDpi xmlns:a14="http://schemas.microsoft.com/office/drawing/2010/main" val="0"/>
+                </a:ext>
+              </a:extLst>
+            </a:blip>
+            <a:stretch>
+              <a:fillRect/>
+            </a:stretch>
+          </p:blipFill>
+          <p:spPr>
+            <a:xfrm>
+              <a:off x="1529691" y="3184586"/>
+              <a:ext cx="135302" cy="135302"/>
+            </a:xfrm>
+            <a:prstGeom prst="rect">
+              <a:avLst/>
+            </a:prstGeom>
+          </p:spPr>
+        </p:pic>
+        <p:sp>
+          <p:nvSpPr>
+            <p:cNvPr id="21" name="TextBox 20">
+              <a:extLst>
+                <a:ext uri="{FF2B5EF4-FFF2-40B4-BE49-F238E27FC236}">
+                  <a16:creationId xmlns:a16="http://schemas.microsoft.com/office/drawing/2014/main" id="{86174D42-95C9-9D17-4F3C-98FCAD8CC3EF}"/>
+                </a:ext>
+              </a:extLst>
+            </p:cNvPr>
+            <p:cNvSpPr txBox="1"/>
+            <p:nvPr/>
+          </p:nvSpPr>
+          <p:spPr>
+            <a:xfrm>
+              <a:off x="1623498" y="3144869"/>
+              <a:ext cx="595035" cy="215444"/>
+            </a:xfrm>
+            <a:prstGeom prst="rect">
+              <a:avLst/>
+            </a:prstGeom>
+            <a:noFill/>
+          </p:spPr>
+          <p:txBody>
+            <a:bodyPr wrap="none" rtlCol="0">
+              <a:spAutoFit/>
+            </a:bodyPr>
+            <a:lstStyle/>
+            <a:p>
+              <a:r>
+                <a:rPr lang="ko-KR" altLang="en-US" sz="800" dirty="0"/>
+                <a:t>장비관리</a:t>
+              </a:r>
+            </a:p>
+          </p:txBody>
+        </p:sp>
+        <p:grpSp>
+          <p:nvGrpSpPr>
+            <p:cNvPr id="22" name="그룹 21">
+              <a:extLst>
+                <a:ext uri="{FF2B5EF4-FFF2-40B4-BE49-F238E27FC236}">
+                  <a16:creationId xmlns:a16="http://schemas.microsoft.com/office/drawing/2014/main" id="{31141803-9F2D-80A2-F922-44A0CD8C56A7}"/>
+                </a:ext>
+              </a:extLst>
+            </p:cNvPr>
+            <p:cNvGrpSpPr/>
+            <p:nvPr/>
+          </p:nvGrpSpPr>
+          <p:grpSpPr>
+            <a:xfrm>
+              <a:off x="2789633" y="3206517"/>
+              <a:ext cx="105254" cy="91440"/>
+              <a:chOff x="2743856" y="3298658"/>
+              <a:chExt cx="105254" cy="91440"/>
+            </a:xfrm>
+          </p:grpSpPr>
+          <p:cxnSp>
+            <p:nvCxnSpPr>
+              <p:cNvPr id="23" name="직선 연결선 22">
+                <a:extLst>
+                  <a:ext uri="{FF2B5EF4-FFF2-40B4-BE49-F238E27FC236}">
+                    <a16:creationId xmlns:a16="http://schemas.microsoft.com/office/drawing/2014/main" id="{F838C74F-1635-C7C7-1A69-8F7B096EA020}"/>
+                  </a:ext>
+                </a:extLst>
+              </p:cNvPr>
+              <p:cNvCxnSpPr>
+                <a:cxnSpLocks/>
+              </p:cNvCxnSpPr>
+              <p:nvPr/>
+            </p:nvCxnSpPr>
+            <p:spPr>
+              <a:xfrm rot="2700000">
+                <a:off x="2698136" y="3344378"/>
+                <a:ext cx="91440" cy="0"/>
+              </a:xfrm>
+              <a:prstGeom prst="line">
+                <a:avLst/>
+              </a:prstGeom>
+              <a:ln w="9525">
+                <a:solidFill>
+                  <a:schemeClr val="tx1"/>
+                </a:solidFill>
+              </a:ln>
+            </p:spPr>
+            <p:style>
+              <a:lnRef idx="2">
+                <a:schemeClr val="accent1"/>
+              </a:lnRef>
+              <a:fillRef idx="0">
+                <a:schemeClr val="accent1"/>
+              </a:fillRef>
+              <a:effectRef idx="1">
+                <a:schemeClr val="accent1"/>
+              </a:effectRef>
+              <a:fontRef idx="minor">
+                <a:schemeClr val="tx1"/>
+              </a:fontRef>
+            </p:style>
+          </p:cxnSp>
+          <p:cxnSp>
+            <p:nvCxnSpPr>
+              <p:cNvPr id="24" name="직선 연결선 23">
+                <a:extLst>
+                  <a:ext uri="{FF2B5EF4-FFF2-40B4-BE49-F238E27FC236}">
+                    <a16:creationId xmlns:a16="http://schemas.microsoft.com/office/drawing/2014/main" id="{005CE4C9-B9D6-E472-F3FD-839ABA7455B5}"/>
+                  </a:ext>
+                </a:extLst>
+              </p:cNvPr>
+              <p:cNvCxnSpPr>
+                <a:cxnSpLocks/>
+              </p:cNvCxnSpPr>
+              <p:nvPr/>
+            </p:nvCxnSpPr>
+            <p:spPr>
+              <a:xfrm rot="-2700000">
+                <a:off x="2757670" y="3344378"/>
+                <a:ext cx="91440" cy="0"/>
+              </a:xfrm>
+              <a:prstGeom prst="line">
+                <a:avLst/>
+              </a:prstGeom>
+              <a:ln w="9525">
+                <a:solidFill>
+                  <a:schemeClr val="tx1"/>
+                </a:solidFill>
+              </a:ln>
+            </p:spPr>
+            <p:style>
+              <a:lnRef idx="2">
+                <a:schemeClr val="accent1"/>
+              </a:lnRef>
+              <a:fillRef idx="0">
+                <a:schemeClr val="accent1"/>
+              </a:fillRef>
+              <a:effectRef idx="1">
+                <a:schemeClr val="accent1"/>
+              </a:effectRef>
+              <a:fontRef idx="minor">
+                <a:schemeClr val="tx1"/>
+              </a:fontRef>
+            </p:style>
+          </p:cxnSp>
+        </p:grpSp>
+      </p:grpSp>
+      <p:sp>
+        <p:nvSpPr>
+          <p:cNvPr id="25" name="사각형: 둥근 모서리 24">
+            <a:extLst>
+              <a:ext uri="{FF2B5EF4-FFF2-40B4-BE49-F238E27FC236}">
+                <a16:creationId xmlns:a16="http://schemas.microsoft.com/office/drawing/2014/main" id="{F90710D2-39DF-0737-7A0F-D78BA1E01190}"/>
+              </a:ext>
+            </a:extLst>
+          </p:cNvPr>
+          <p:cNvSpPr/>
+          <p:nvPr/>
+        </p:nvSpPr>
+        <p:spPr>
+          <a:xfrm>
+            <a:off x="1502579" y="3397811"/>
+            <a:ext cx="1448729" cy="215433"/>
+          </a:xfrm>
+          <a:prstGeom prst="roundRect">
+            <a:avLst/>
+          </a:prstGeom>
+          <a:solidFill>
+            <a:schemeClr val="bg1">
+              <a:lumMod val="85000"/>
+            </a:schemeClr>
+          </a:solidFill>
+          <a:ln w="3175">
+            <a:solidFill>
+              <a:schemeClr val="bg2">
+                <a:lumMod val="50000"/>
+              </a:schemeClr>
+            </a:solidFill>
+          </a:ln>
+        </p:spPr>
+        <p:style>
+          <a:lnRef idx="2">
+            <a:schemeClr val="accent1">
+              <a:shade val="15000"/>
+            </a:schemeClr>
+          </a:lnRef>
+          <a:fillRef idx="1">
+            <a:schemeClr val="accent1"/>
+          </a:fillRef>
+          <a:effectRef idx="0">
+            <a:schemeClr val="accent1"/>
+          </a:effectRef>
+          <a:fontRef idx="minor">
+            <a:schemeClr val="lt1"/>
+          </a:fontRef>
+        </p:style>
+        <p:txBody>
+          <a:bodyPr rtlCol="0" anchor="ctr"/>
+          <a:lstStyle/>
+          <a:p>
+            <a:pPr algn="ctr"/>
+            <a:r>
+              <a:rPr lang="ko-KR" altLang="en-US" sz="800" b="1" dirty="0">
+                <a:solidFill>
+                  <a:schemeClr val="tx1">
+                    <a:lumMod val="85000"/>
+                    <a:lumOff val="15000"/>
+                  </a:schemeClr>
+                </a:solidFill>
+              </a:rPr>
+              <a:t>장비등록</a:t>
+            </a:r>
+          </a:p>
+        </p:txBody>
+      </p:sp>
+      <p:sp>
+        <p:nvSpPr>
+          <p:cNvPr id="26" name="사각형: 둥근 모서리 25">
+            <a:extLst>
+              <a:ext uri="{FF2B5EF4-FFF2-40B4-BE49-F238E27FC236}">
+                <a16:creationId xmlns:a16="http://schemas.microsoft.com/office/drawing/2014/main" id="{0A6AB832-7CCE-D29E-DB64-6EC124CF8380}"/>
+              </a:ext>
+            </a:extLst>
+          </p:cNvPr>
+          <p:cNvSpPr/>
+          <p:nvPr/>
+        </p:nvSpPr>
+        <p:spPr>
+          <a:xfrm>
+            <a:off x="1502579" y="3673650"/>
+            <a:ext cx="1448729" cy="215433"/>
+          </a:xfrm>
+          <a:prstGeom prst="roundRect">
+            <a:avLst/>
+          </a:prstGeom>
+          <a:solidFill>
+            <a:schemeClr val="bg1"/>
+          </a:solidFill>
+          <a:ln w="3175">
+            <a:solidFill>
+              <a:schemeClr val="bg2">
+                <a:lumMod val="50000"/>
+              </a:schemeClr>
+            </a:solidFill>
+          </a:ln>
+        </p:spPr>
+        <p:style>
+          <a:lnRef idx="2">
+            <a:schemeClr val="accent1">
+              <a:shade val="15000"/>
+            </a:schemeClr>
+          </a:lnRef>
+          <a:fillRef idx="1">
+            <a:schemeClr val="accent1"/>
+          </a:fillRef>
+          <a:effectRef idx="0">
+            <a:schemeClr val="accent1"/>
+          </a:effectRef>
+          <a:fontRef idx="minor">
+            <a:schemeClr val="lt1"/>
+          </a:fontRef>
+        </p:style>
+        <p:txBody>
+          <a:bodyPr rtlCol="0" anchor="ctr"/>
+          <a:lstStyle/>
+          <a:p>
+            <a:pPr algn="ctr"/>
+            <a:r>
+              <a:rPr lang="ko-KR" altLang="en-US" sz="800" b="1" dirty="0">
+                <a:solidFill>
+                  <a:schemeClr val="tx1">
+                    <a:lumMod val="85000"/>
+                    <a:lumOff val="15000"/>
+                  </a:schemeClr>
+                </a:solidFill>
+              </a:rPr>
+              <a:t>장비목록</a:t>
+            </a:r>
+          </a:p>
+        </p:txBody>
+      </p:sp>
+      <p:cxnSp>
+        <p:nvCxnSpPr>
+          <p:cNvPr id="27" name="직선 연결선 26">
+            <a:extLst>
+              <a:ext uri="{FF2B5EF4-FFF2-40B4-BE49-F238E27FC236}">
+                <a16:creationId xmlns:a16="http://schemas.microsoft.com/office/drawing/2014/main" id="{022BFF37-6559-821F-26D0-9BA58CA77790}"/>
+              </a:ext>
+            </a:extLst>
+          </p:cNvPr>
+          <p:cNvCxnSpPr>
+            <a:cxnSpLocks/>
+          </p:cNvCxnSpPr>
+          <p:nvPr/>
+        </p:nvCxnSpPr>
+        <p:spPr>
+          <a:xfrm>
+            <a:off x="1468754" y="4005612"/>
+            <a:ext cx="1516380" cy="0"/>
+          </a:xfrm>
+          <a:prstGeom prst="line">
+            <a:avLst/>
+          </a:prstGeom>
+          <a:ln w="3175">
+            <a:solidFill>
+              <a:schemeClr val="bg1">
+                <a:lumMod val="85000"/>
+              </a:schemeClr>
+            </a:solidFill>
+          </a:ln>
+        </p:spPr>
+        <p:style>
+          <a:lnRef idx="2">
+            <a:schemeClr val="accent1"/>
+          </a:lnRef>
+          <a:fillRef idx="0">
+            <a:schemeClr val="accent1"/>
+          </a:fillRef>
+          <a:effectRef idx="1">
+            <a:schemeClr val="accent1"/>
+          </a:effectRef>
+          <a:fontRef idx="minor">
+            <a:schemeClr val="tx1"/>
+          </a:fontRef>
+        </p:style>
+      </p:cxnSp>
+      <p:grpSp>
+        <p:nvGrpSpPr>
+          <p:cNvPr id="28" name="그룹 27">
+            <a:extLst>
+              <a:ext uri="{FF2B5EF4-FFF2-40B4-BE49-F238E27FC236}">
+                <a16:creationId xmlns:a16="http://schemas.microsoft.com/office/drawing/2014/main" id="{0BDD9983-9464-8664-1EB6-78468AF37FBF}"/>
+              </a:ext>
+            </a:extLst>
+          </p:cNvPr>
+          <p:cNvGrpSpPr/>
+          <p:nvPr/>
+        </p:nvGrpSpPr>
+        <p:grpSpPr>
+          <a:xfrm>
+            <a:off x="1544345" y="4045328"/>
+            <a:ext cx="1365196" cy="215444"/>
+            <a:chOff x="1529691" y="3144869"/>
+            <a:chExt cx="1365196" cy="215444"/>
+          </a:xfrm>
+        </p:grpSpPr>
+        <p:pic>
+          <p:nvPicPr>
+            <p:cNvPr id="29" name="그림 28">
+              <a:extLst>
+                <a:ext uri="{FF2B5EF4-FFF2-40B4-BE49-F238E27FC236}">
+                  <a16:creationId xmlns:a16="http://schemas.microsoft.com/office/drawing/2014/main" id="{59B0279C-30AF-8E37-3ED8-C2FFF5A5C218}"/>
+                </a:ext>
+              </a:extLst>
+            </p:cNvPr>
+            <p:cNvPicPr>
+              <a:picLocks noChangeAspect="1"/>
+            </p:cNvPicPr>
+            <p:nvPr/>
+          </p:nvPicPr>
+          <p:blipFill>
+            <a:blip r:embed="rId4">
+              <a:extLst>
+                <a:ext uri="{28A0092B-C50C-407E-A947-70E740481C1C}">
+                  <a14:useLocalDpi xmlns:a14="http://schemas.microsoft.com/office/drawing/2010/main" val="0"/>
+                </a:ext>
+              </a:extLst>
+            </a:blip>
+            <a:srcRect/>
+            <a:stretch/>
+          </p:blipFill>
+          <p:spPr>
+            <a:xfrm>
+              <a:off x="1529691" y="3184586"/>
+              <a:ext cx="135302" cy="135302"/>
+            </a:xfrm>
+            <a:prstGeom prst="rect">
+              <a:avLst/>
+            </a:prstGeom>
+          </p:spPr>
+        </p:pic>
+        <p:sp>
+          <p:nvSpPr>
+            <p:cNvPr id="30" name="TextBox 29">
+              <a:extLst>
+                <a:ext uri="{FF2B5EF4-FFF2-40B4-BE49-F238E27FC236}">
+                  <a16:creationId xmlns:a16="http://schemas.microsoft.com/office/drawing/2014/main" id="{F54A48BB-0DB1-7394-92F4-7C804C22B1B1}"/>
+                </a:ext>
+              </a:extLst>
+            </p:cNvPr>
+            <p:cNvSpPr txBox="1"/>
+            <p:nvPr/>
+          </p:nvSpPr>
+          <p:spPr>
+            <a:xfrm>
+              <a:off x="1623498" y="3144869"/>
+              <a:ext cx="595035" cy="215444"/>
+            </a:xfrm>
+            <a:prstGeom prst="rect">
+              <a:avLst/>
+            </a:prstGeom>
+            <a:noFill/>
+          </p:spPr>
+          <p:txBody>
+            <a:bodyPr wrap="none" rtlCol="0">
+              <a:spAutoFit/>
+            </a:bodyPr>
+            <a:lstStyle/>
+            <a:p>
+              <a:r>
+                <a:rPr lang="ko-KR" altLang="en-US" sz="800" dirty="0"/>
+                <a:t>관리기능</a:t>
+              </a:r>
+            </a:p>
+          </p:txBody>
+        </p:sp>
+        <p:grpSp>
+          <p:nvGrpSpPr>
+            <p:cNvPr id="31" name="그룹 30">
+              <a:extLst>
+                <a:ext uri="{FF2B5EF4-FFF2-40B4-BE49-F238E27FC236}">
+                  <a16:creationId xmlns:a16="http://schemas.microsoft.com/office/drawing/2014/main" id="{3D0634D1-7795-987E-75F3-59EE49F53AFC}"/>
+                </a:ext>
+              </a:extLst>
+            </p:cNvPr>
+            <p:cNvGrpSpPr/>
+            <p:nvPr/>
+          </p:nvGrpSpPr>
+          <p:grpSpPr>
+            <a:xfrm>
+              <a:off x="2789633" y="3206517"/>
+              <a:ext cx="105254" cy="91440"/>
+              <a:chOff x="2743856" y="3298658"/>
+              <a:chExt cx="105254" cy="91440"/>
+            </a:xfrm>
+          </p:grpSpPr>
+          <p:cxnSp>
+            <p:nvCxnSpPr>
+              <p:cNvPr id="32" name="직선 연결선 31">
+                <a:extLst>
+                  <a:ext uri="{FF2B5EF4-FFF2-40B4-BE49-F238E27FC236}">
+                    <a16:creationId xmlns:a16="http://schemas.microsoft.com/office/drawing/2014/main" id="{A0E471D8-E918-7949-B0B5-8FEB42E71231}"/>
+                  </a:ext>
+                </a:extLst>
+              </p:cNvPr>
+              <p:cNvCxnSpPr>
+                <a:cxnSpLocks/>
+              </p:cNvCxnSpPr>
+              <p:nvPr/>
+            </p:nvCxnSpPr>
+            <p:spPr>
+              <a:xfrm rot="2700000">
+                <a:off x="2698136" y="3344378"/>
+                <a:ext cx="91440" cy="0"/>
+              </a:xfrm>
+              <a:prstGeom prst="line">
+                <a:avLst/>
+              </a:prstGeom>
+              <a:ln w="9525">
+                <a:solidFill>
+                  <a:schemeClr val="tx1"/>
+                </a:solidFill>
+              </a:ln>
+            </p:spPr>
+            <p:style>
+              <a:lnRef idx="2">
+                <a:schemeClr val="accent1"/>
+              </a:lnRef>
+              <a:fillRef idx="0">
+                <a:schemeClr val="accent1"/>
+              </a:fillRef>
+              <a:effectRef idx="1">
+                <a:schemeClr val="accent1"/>
+              </a:effectRef>
+              <a:fontRef idx="minor">
+                <a:schemeClr val="tx1"/>
+              </a:fontRef>
+            </p:style>
+          </p:cxnSp>
+          <p:cxnSp>
+            <p:nvCxnSpPr>
+              <p:cNvPr id="33" name="직선 연결선 32">
+                <a:extLst>
+                  <a:ext uri="{FF2B5EF4-FFF2-40B4-BE49-F238E27FC236}">
+                    <a16:creationId xmlns:a16="http://schemas.microsoft.com/office/drawing/2014/main" id="{BDC9E7F5-4EFF-A5B4-DB0B-3F481B4ECAFA}"/>
+                  </a:ext>
+                </a:extLst>
+              </p:cNvPr>
+              <p:cNvCxnSpPr>
+                <a:cxnSpLocks/>
+              </p:cNvCxnSpPr>
+              <p:nvPr/>
+            </p:nvCxnSpPr>
+            <p:spPr>
+              <a:xfrm rot="-2700000">
+                <a:off x="2757670" y="3344378"/>
+                <a:ext cx="91440" cy="0"/>
+              </a:xfrm>
+              <a:prstGeom prst="line">
+                <a:avLst/>
+              </a:prstGeom>
+              <a:ln w="9525">
+                <a:solidFill>
+                  <a:schemeClr val="tx1"/>
+                </a:solidFill>
+              </a:ln>
+            </p:spPr>
+            <p:style>
+              <a:lnRef idx="2">
+                <a:schemeClr val="accent1"/>
+              </a:lnRef>
+              <a:fillRef idx="0">
+                <a:schemeClr val="accent1"/>
+              </a:fillRef>
+              <a:effectRef idx="1">
+                <a:schemeClr val="accent1"/>
+              </a:effectRef>
+              <a:fontRef idx="minor">
+                <a:schemeClr val="tx1"/>
+              </a:fontRef>
+            </p:style>
+          </p:cxnSp>
+        </p:grpSp>
+      </p:grpSp>
+      <p:cxnSp>
+        <p:nvCxnSpPr>
+          <p:cNvPr id="34" name="직선 연결선 33">
+            <a:extLst>
+              <a:ext uri="{FF2B5EF4-FFF2-40B4-BE49-F238E27FC236}">
+                <a16:creationId xmlns:a16="http://schemas.microsoft.com/office/drawing/2014/main" id="{9D4F284C-DA7E-34A4-E461-2B7247D399B3}"/>
+              </a:ext>
+            </a:extLst>
+          </p:cNvPr>
+          <p:cNvCxnSpPr>
+            <a:cxnSpLocks/>
+          </p:cNvCxnSpPr>
+          <p:nvPr/>
+        </p:nvCxnSpPr>
+        <p:spPr>
+          <a:xfrm>
+            <a:off x="1468754" y="4313160"/>
+            <a:ext cx="1516380" cy="0"/>
+          </a:xfrm>
+          <a:prstGeom prst="line">
+            <a:avLst/>
+          </a:prstGeom>
+          <a:ln w="3175">
+            <a:solidFill>
+              <a:schemeClr val="bg1">
+                <a:lumMod val="85000"/>
+              </a:schemeClr>
+            </a:solidFill>
+          </a:ln>
+        </p:spPr>
+        <p:style>
+          <a:lnRef idx="2">
+            <a:schemeClr val="accent1"/>
+          </a:lnRef>
+          <a:fillRef idx="0">
+            <a:schemeClr val="accent1"/>
+          </a:fillRef>
+          <a:effectRef idx="1">
+            <a:schemeClr val="accent1"/>
+          </a:effectRef>
+          <a:fontRef idx="minor">
+            <a:schemeClr val="tx1"/>
+          </a:fontRef>
+        </p:style>
+      </p:cxnSp>
+      <p:sp>
+        <p:nvSpPr>
+          <p:cNvPr id="35" name="직사각형 34">
+            <a:extLst>
+              <a:ext uri="{FF2B5EF4-FFF2-40B4-BE49-F238E27FC236}">
+                <a16:creationId xmlns:a16="http://schemas.microsoft.com/office/drawing/2014/main" id="{89947D60-28CD-3305-28F2-BD3F75D47985}"/>
+              </a:ext>
+            </a:extLst>
+          </p:cNvPr>
+          <p:cNvSpPr/>
+          <p:nvPr/>
+        </p:nvSpPr>
+        <p:spPr>
+          <a:xfrm>
+            <a:off x="3194050" y="1574839"/>
+            <a:ext cx="7499350" cy="660361"/>
+          </a:xfrm>
+          <a:prstGeom prst="rect">
+            <a:avLst/>
+          </a:prstGeom>
+          <a:solidFill>
+            <a:schemeClr val="bg1">
+              <a:lumMod val="95000"/>
+            </a:schemeClr>
+          </a:solidFill>
+          <a:ln w="3175">
+            <a:solidFill>
+              <a:schemeClr val="tx1"/>
+            </a:solidFill>
+          </a:ln>
+          <a:effectLst>
+            <a:softEdge rad="12700"/>
+          </a:effectLst>
+        </p:spPr>
+        <p:style>
+          <a:lnRef idx="2">
+            <a:schemeClr val="accent1">
+              <a:shade val="15000"/>
+            </a:schemeClr>
+          </a:lnRef>
+          <a:fillRef idx="1">
+            <a:schemeClr val="accent1"/>
+          </a:fillRef>
+          <a:effectRef idx="0">
+            <a:schemeClr val="accent1"/>
+          </a:effectRef>
+          <a:fontRef idx="minor">
+            <a:schemeClr val="lt1"/>
+          </a:fontRef>
+        </p:style>
+        <p:txBody>
+          <a:bodyPr rtlCol="0" anchor="ctr"/>
+          <a:lstStyle/>
+          <a:p>
+            <a:pPr algn="ctr"/>
+            <a:endParaRPr lang="ko-KR" altLang="en-US" dirty="0"/>
+          </a:p>
+        </p:txBody>
+      </p:sp>
+      <p:grpSp>
+        <p:nvGrpSpPr>
+          <p:cNvPr id="36" name="그룹 35">
+            <a:extLst>
+              <a:ext uri="{FF2B5EF4-FFF2-40B4-BE49-F238E27FC236}">
+                <a16:creationId xmlns:a16="http://schemas.microsoft.com/office/drawing/2014/main" id="{71C92DCE-D1C4-E007-0E1F-202567BCE23B}"/>
+              </a:ext>
+            </a:extLst>
+          </p:cNvPr>
+          <p:cNvGrpSpPr/>
+          <p:nvPr/>
+        </p:nvGrpSpPr>
+        <p:grpSpPr>
+          <a:xfrm>
+            <a:off x="3242363" y="1674325"/>
+            <a:ext cx="1245854" cy="461387"/>
+            <a:chOff x="3242363" y="1672720"/>
+            <a:chExt cx="1245854" cy="461387"/>
+          </a:xfrm>
+        </p:grpSpPr>
+        <p:sp>
+          <p:nvSpPr>
+            <p:cNvPr id="37" name="TextBox 36">
+              <a:extLst>
+                <a:ext uri="{FF2B5EF4-FFF2-40B4-BE49-F238E27FC236}">
+                  <a16:creationId xmlns:a16="http://schemas.microsoft.com/office/drawing/2014/main" id="{2FCBAF1C-06FB-BACA-BD42-08304C307805}"/>
+                </a:ext>
+              </a:extLst>
+            </p:cNvPr>
+            <p:cNvSpPr txBox="1"/>
+            <p:nvPr/>
+          </p:nvSpPr>
+          <p:spPr>
+            <a:xfrm>
+              <a:off x="3242363" y="1672720"/>
+              <a:ext cx="800219" cy="276999"/>
+            </a:xfrm>
+            <a:prstGeom prst="rect">
+              <a:avLst/>
+            </a:prstGeom>
+            <a:noFill/>
+          </p:spPr>
+          <p:txBody>
+            <a:bodyPr wrap="none" rtlCol="0">
+              <a:spAutoFit/>
+            </a:bodyPr>
+            <a:lstStyle/>
+            <a:p>
+              <a:r>
+                <a:rPr lang="ko-KR" altLang="en-US" sz="1200" b="1" dirty="0"/>
+                <a:t>장비등록</a:t>
+              </a:r>
+            </a:p>
+          </p:txBody>
+        </p:sp>
+        <p:sp>
+          <p:nvSpPr>
+            <p:cNvPr id="38" name="TextBox 37">
+              <a:extLst>
+                <a:ext uri="{FF2B5EF4-FFF2-40B4-BE49-F238E27FC236}">
+                  <a16:creationId xmlns:a16="http://schemas.microsoft.com/office/drawing/2014/main" id="{4D331407-038A-F4AA-17FF-A39F091DAD9E}"/>
+                </a:ext>
+              </a:extLst>
+            </p:cNvPr>
+            <p:cNvSpPr txBox="1"/>
+            <p:nvPr/>
+          </p:nvSpPr>
+          <p:spPr>
+            <a:xfrm>
+              <a:off x="3242363" y="1918663"/>
+              <a:ext cx="1245854" cy="215444"/>
+            </a:xfrm>
+            <a:prstGeom prst="rect">
+              <a:avLst/>
+            </a:prstGeom>
+            <a:noFill/>
+          </p:spPr>
+          <p:txBody>
+            <a:bodyPr wrap="none" rtlCol="0">
+              <a:spAutoFit/>
+            </a:bodyPr>
+            <a:lstStyle/>
+            <a:p>
+              <a:r>
+                <a:rPr lang="en-US" altLang="ko-KR" sz="800" dirty="0"/>
+                <a:t>- </a:t>
+              </a:r>
+              <a:r>
+                <a:rPr lang="ko-KR" altLang="en-US" sz="800" dirty="0"/>
+                <a:t>신규장비 등록입니다</a:t>
+              </a:r>
+              <a:r>
+                <a:rPr lang="en-US" altLang="ko-KR" sz="800" dirty="0"/>
+                <a:t>.</a:t>
+              </a:r>
+              <a:endParaRPr lang="ko-KR" altLang="en-US" sz="800" dirty="0"/>
+            </a:p>
+          </p:txBody>
+        </p:sp>
+      </p:grpSp>
+      <p:sp>
+        <p:nvSpPr>
+          <p:cNvPr id="39" name="직사각형 38">
+            <a:extLst>
+              <a:ext uri="{FF2B5EF4-FFF2-40B4-BE49-F238E27FC236}">
+                <a16:creationId xmlns:a16="http://schemas.microsoft.com/office/drawing/2014/main" id="{216D9E9E-47D7-31BA-01EB-21C592C6BCDD}"/>
+              </a:ext>
+            </a:extLst>
+          </p:cNvPr>
+          <p:cNvSpPr/>
+          <p:nvPr/>
+        </p:nvSpPr>
+        <p:spPr>
+          <a:xfrm>
+            <a:off x="3192560" y="2328522"/>
+            <a:ext cx="1830290" cy="1828800"/>
+          </a:xfrm>
+          <a:prstGeom prst="rect">
+            <a:avLst/>
+          </a:prstGeom>
+          <a:solidFill>
+            <a:schemeClr val="bg1">
+              <a:lumMod val="95000"/>
+            </a:schemeClr>
+          </a:solidFill>
+          <a:ln w="3175">
+            <a:solidFill>
+              <a:schemeClr val="tx1"/>
+            </a:solidFill>
+          </a:ln>
+          <a:effectLst>
+            <a:softEdge rad="12700"/>
+          </a:effectLst>
+        </p:spPr>
+        <p:style>
+          <a:lnRef idx="2">
+            <a:schemeClr val="accent1">
+              <a:shade val="15000"/>
+            </a:schemeClr>
+          </a:lnRef>
+          <a:fillRef idx="1">
+            <a:schemeClr val="accent1"/>
+          </a:fillRef>
+          <a:effectRef idx="0">
+            <a:schemeClr val="accent1"/>
+          </a:effectRef>
+          <a:fontRef idx="minor">
+            <a:schemeClr val="lt1"/>
+          </a:fontRef>
+        </p:style>
+        <p:txBody>
+          <a:bodyPr rtlCol="0" anchor="ctr"/>
+          <a:lstStyle/>
+          <a:p>
+            <a:pPr algn="ctr"/>
+            <a:endParaRPr lang="ko-KR" altLang="en-US" dirty="0"/>
+          </a:p>
+        </p:txBody>
+      </p:sp>
+      <p:sp>
+        <p:nvSpPr>
+          <p:cNvPr id="40" name="사각형: 둥근 모서리 39">
+            <a:extLst>
+              <a:ext uri="{FF2B5EF4-FFF2-40B4-BE49-F238E27FC236}">
+                <a16:creationId xmlns:a16="http://schemas.microsoft.com/office/drawing/2014/main" id="{2E14F893-4F31-3AB2-E8E7-DA3666EFB75C}"/>
+              </a:ext>
+            </a:extLst>
+          </p:cNvPr>
+          <p:cNvSpPr/>
+          <p:nvPr/>
+        </p:nvSpPr>
+        <p:spPr>
+          <a:xfrm>
+            <a:off x="3192216" y="4260772"/>
+            <a:ext cx="1830290" cy="215433"/>
+          </a:xfrm>
+          <a:prstGeom prst="roundRect">
+            <a:avLst/>
+          </a:prstGeom>
+          <a:solidFill>
+            <a:srgbClr val="3BC9DB"/>
+          </a:solidFill>
+          <a:ln w="3175">
+            <a:solidFill>
+              <a:schemeClr val="bg2">
+                <a:lumMod val="50000"/>
+              </a:schemeClr>
+            </a:solidFill>
+          </a:ln>
+        </p:spPr>
+        <p:style>
+          <a:lnRef idx="2">
+            <a:schemeClr val="accent1">
+              <a:shade val="15000"/>
+            </a:schemeClr>
+          </a:lnRef>
+          <a:fillRef idx="1">
+            <a:schemeClr val="accent1"/>
+          </a:fillRef>
+          <a:effectRef idx="0">
+            <a:schemeClr val="accent1"/>
+          </a:effectRef>
+          <a:fontRef idx="minor">
+            <a:schemeClr val="lt1"/>
+          </a:fontRef>
+        </p:style>
+        <p:txBody>
+          <a:bodyPr rtlCol="0" anchor="ctr"/>
+          <a:lstStyle/>
+          <a:p>
+            <a:pPr algn="ctr"/>
+            <a:r>
+              <a:rPr lang="ko-KR" altLang="en-US" sz="800" dirty="0">
+                <a:solidFill>
+                  <a:schemeClr val="bg1"/>
+                </a:solidFill>
+              </a:rPr>
+              <a:t>이미지 등록</a:t>
+            </a:r>
+          </a:p>
+        </p:txBody>
+      </p:sp>
+      <p:sp>
+        <p:nvSpPr>
+          <p:cNvPr id="41" name="직사각형 40">
+            <a:extLst>
+              <a:ext uri="{FF2B5EF4-FFF2-40B4-BE49-F238E27FC236}">
+                <a16:creationId xmlns:a16="http://schemas.microsoft.com/office/drawing/2014/main" id="{4872DBE4-2CAA-8558-F878-33EBB7A33F1A}"/>
+              </a:ext>
+            </a:extLst>
+          </p:cNvPr>
+          <p:cNvSpPr/>
+          <p:nvPr/>
+        </p:nvSpPr>
+        <p:spPr>
+          <a:xfrm>
+            <a:off x="5142229" y="2328522"/>
+            <a:ext cx="5551170" cy="232600"/>
+          </a:xfrm>
+          <a:prstGeom prst="rect">
+            <a:avLst/>
+          </a:prstGeom>
+          <a:solidFill>
+            <a:srgbClr val="3BC9DB"/>
+          </a:solidFill>
+          <a:ln w="3175">
+            <a:solidFill>
+              <a:schemeClr val="tx1"/>
+            </a:solidFill>
+          </a:ln>
+          <a:effectLst>
+            <a:softEdge rad="12700"/>
+          </a:effectLst>
+        </p:spPr>
+        <p:style>
+          <a:lnRef idx="2">
+            <a:schemeClr val="accent1">
+              <a:shade val="15000"/>
+            </a:schemeClr>
+          </a:lnRef>
+          <a:fillRef idx="1">
+            <a:schemeClr val="accent1"/>
+          </a:fillRef>
+          <a:effectRef idx="0">
+            <a:schemeClr val="accent1"/>
+          </a:effectRef>
+          <a:fontRef idx="minor">
+            <a:schemeClr val="lt1"/>
+          </a:fontRef>
+        </p:style>
+        <p:txBody>
+          <a:bodyPr rtlCol="0" anchor="ctr"/>
+          <a:lstStyle/>
+          <a:p>
+            <a:r>
+              <a:rPr lang="ko-KR" altLang="en-US" sz="1000" dirty="0">
+                <a:solidFill>
+                  <a:schemeClr val="accent1">
+                    <a:lumMod val="75000"/>
+                  </a:schemeClr>
+                </a:solidFill>
+              </a:rPr>
+              <a:t>장비 정보 입력하기</a:t>
+            </a:r>
+          </a:p>
+        </p:txBody>
+      </p:sp>
+    </p:spTree>
+    <p:extLst>
+      <p:ext uri="{BB962C8B-B14F-4D97-AF65-F5344CB8AC3E}">
+        <p14:creationId xmlns:p14="http://schemas.microsoft.com/office/powerpoint/2010/main" val="698659240"/>
       </p:ext>
     </p:extLst>
   </p:cSld>
